--- a/GanttChart.pptx
+++ b/GanttChart.pptx
@@ -155,6 +155,36 @@
       </a:defRPr>
     </a:lvl9pPr>
   </p:defaultTextStyle>
+  <p:extLst>
+    <p:ext uri="{EFAFB233-063F-42B5-8137-9DF3F51BA10A}">
+      <p15:sldGuideLst xmlns:p15="http://schemas.microsoft.com/office/powerpoint/2012/main">
+        <p15:guide id="1" orient="horz" pos="2160">
+          <p15:clr>
+            <a:srgbClr val="A4A3A4"/>
+          </p15:clr>
+        </p15:guide>
+        <p15:guide id="2" pos="2880">
+          <p15:clr>
+            <a:srgbClr val="A4A3A4"/>
+          </p15:clr>
+        </p15:guide>
+      </p15:sldGuideLst>
+    </p:ext>
+    <p:ext uri="{2D200454-40CA-4A62-9FC3-DE9A4176ACB9}">
+      <p15:notesGuideLst xmlns:p15="http://schemas.microsoft.com/office/powerpoint/2012/main">
+        <p15:guide id="1" orient="horz" pos="2880">
+          <p15:clr>
+            <a:srgbClr val="A4A3A4"/>
+          </p15:clr>
+        </p15:guide>
+        <p15:guide id="2" pos="2160">
+          <p15:clr>
+            <a:srgbClr val="A4A3A4"/>
+          </p15:clr>
+        </p15:guide>
+      </p15:notesGuideLst>
+    </p:ext>
+  </p:extLst>
 </p:presentation>
 </file>
 
@@ -362,13 +392,8 @@
             </a:pPr>
             <a:r>
               <a:rPr lang="en-US"/>
-              <a:t>Copyright </a:t>
+              <a:t>Copyright 2010</a:t>
             </a:r>
-            <a:r>
-              <a:rPr lang="en-US" smtClean="0"/>
-              <a:t>2010</a:t>
-            </a:r>
-            <a:endParaRPr lang="en-US"/>
           </a:p>
         </p:txBody>
       </p:sp>
@@ -536,35 +561,35 @@
           <a:p>
             <a:pPr lvl="0"/>
             <a:r>
-              <a:rPr lang="en-US" noProof="0" smtClean="0"/>
+              <a:rPr lang="en-US" noProof="0"/>
               <a:t>Click to edit Master text styles</a:t>
             </a:r>
           </a:p>
           <a:p>
             <a:pPr lvl="1"/>
             <a:r>
-              <a:rPr lang="en-US" noProof="0" smtClean="0"/>
+              <a:rPr lang="en-US" noProof="0"/>
               <a:t>Second level</a:t>
             </a:r>
           </a:p>
           <a:p>
             <a:pPr lvl="2"/>
             <a:r>
-              <a:rPr lang="en-US" noProof="0" smtClean="0"/>
+              <a:rPr lang="en-US" noProof="0"/>
               <a:t>Third level</a:t>
             </a:r>
           </a:p>
           <a:p>
             <a:pPr lvl="3"/>
             <a:r>
-              <a:rPr lang="en-US" noProof="0" smtClean="0"/>
+              <a:rPr lang="en-US" noProof="0"/>
               <a:t>Fourth level</a:t>
             </a:r>
           </a:p>
           <a:p>
             <a:pPr lvl="4"/>
             <a:r>
-              <a:rPr lang="en-US" noProof="0" smtClean="0"/>
+              <a:rPr lang="en-US" noProof="0"/>
               <a:t>Fifth level</a:t>
             </a:r>
           </a:p>
@@ -734,13 +759,8 @@
             </a:pPr>
             <a:r>
               <a:rPr lang="en-US"/>
-              <a:t>Copyright </a:t>
+              <a:t>Copyright 2010</a:t>
             </a:r>
-            <a:r>
-              <a:rPr lang="en-US" smtClean="0"/>
-              <a:t>2010</a:t>
-            </a:r>
-            <a:endParaRPr lang="en-US"/>
           </a:p>
         </p:txBody>
       </p:sp>
@@ -998,10 +1018,9 @@
               <a:defRPr/>
             </a:pPr>
             <a:r>
-              <a:rPr lang="en-US" smtClean="0"/>
+              <a:rPr lang="en-US"/>
               <a:t>Presentation Name</a:t>
             </a:r>
-            <a:endParaRPr lang="en-US"/>
           </a:p>
         </p:txBody>
       </p:sp>
@@ -1024,20 +1043,19 @@
               <a:defRPr/>
             </a:pPr>
             <a:r>
-              <a:rPr lang="en-US" smtClean="0"/>
+              <a:rPr lang="en-US"/>
               <a:t>Course Name</a:t>
             </a:r>
-            <a:endParaRPr lang="en-US" baseline="30000" smtClean="0"/>
+            <a:endParaRPr lang="en-US" baseline="30000"/>
           </a:p>
           <a:p>
             <a:pPr>
               <a:defRPr/>
             </a:pPr>
             <a:r>
-              <a:rPr lang="en-US" smtClean="0"/>
+              <a:rPr lang="en-US"/>
               <a:t>Unit # – Lesson #.# – Lesson Name</a:t>
             </a:r>
-            <a:endParaRPr lang="en-US"/>
           </a:p>
         </p:txBody>
       </p:sp>
@@ -1128,15 +1146,15 @@
           <a:lstStyle/>
           <a:p>
             <a:r>
-              <a:rPr lang="en-US" dirty="0" smtClean="0"/>
+              <a:rPr lang="en-US" dirty="0"/>
               <a:t>An essential concept behind project planning is that some tasks are dependent on other tasks being completed first. It is not a good idea to start building a house before you have designed it!</a:t>
             </a:r>
             <a:r>
-              <a:rPr lang="en-US" baseline="0" dirty="0" smtClean="0"/>
+              <a:rPr lang="en-US" baseline="0" dirty="0"/>
               <a:t> </a:t>
             </a:r>
             <a:r>
-              <a:rPr lang="en-US" dirty="0" smtClean="0"/>
+              <a:rPr lang="en-US" dirty="0"/>
               <a:t>These dependent tasks need to be completed in sequence, with each stage being completed before the next tasks can begin. We can call dependent tasks sequential or linear. Other tasks are not dependent on completion of any other tasks. These may be done at any time before or after a particular stage is reached. These are nondependent or parallel tasks.</a:t>
             </a:r>
           </a:p>
@@ -1164,10 +1182,9 @@
               <a:defRPr/>
             </a:pPr>
             <a:r>
-              <a:rPr lang="en-US" smtClean="0"/>
+              <a:rPr lang="en-US"/>
               <a:t>Presentation Name</a:t>
             </a:r>
-            <a:endParaRPr lang="en-US"/>
           </a:p>
         </p:txBody>
       </p:sp>
@@ -1190,20 +1207,19 @@
               <a:defRPr/>
             </a:pPr>
             <a:r>
-              <a:rPr lang="en-US" smtClean="0"/>
+              <a:rPr lang="en-US"/>
               <a:t>Course Name</a:t>
             </a:r>
-            <a:endParaRPr lang="en-US" baseline="30000" smtClean="0"/>
+            <a:endParaRPr lang="en-US" baseline="30000"/>
           </a:p>
           <a:p>
             <a:pPr>
               <a:defRPr/>
             </a:pPr>
             <a:r>
-              <a:rPr lang="en-US" smtClean="0"/>
+              <a:rPr lang="en-US"/>
               <a:t>Unit # – Lesson #.# – Lesson Name</a:t>
             </a:r>
-            <a:endParaRPr lang="en-US"/>
           </a:p>
         </p:txBody>
       </p:sp>
@@ -1353,10 +1369,9 @@
           </a:lstStyle>
           <a:p>
             <a:r>
-              <a:rPr lang="en-US" dirty="0" smtClean="0"/>
+              <a:rPr lang="en-US" dirty="0"/>
               <a:t>Click to edit Master title style</a:t>
             </a:r>
-            <a:endParaRPr lang="en-US" dirty="0"/>
           </a:p>
         </p:txBody>
       </p:sp>
@@ -1425,10 +1440,9 @@
           </a:lstStyle>
           <a:p>
             <a:r>
-              <a:rPr lang="en-US" dirty="0" smtClean="0"/>
+              <a:rPr lang="en-US" dirty="0"/>
               <a:t>Click to edit Master subtitle style</a:t>
             </a:r>
-            <a:endParaRPr lang="en-US" dirty="0"/>
           </a:p>
         </p:txBody>
       </p:sp>
@@ -1483,10 +1497,9 @@
           <a:lstStyle/>
           <a:p>
             <a:r>
-              <a:rPr lang="en-US" smtClean="0"/>
+              <a:rPr lang="en-US"/>
               <a:t>Click to edit Master title style</a:t>
             </a:r>
-            <a:endParaRPr lang="en-US"/>
           </a:p>
         </p:txBody>
       </p:sp>
@@ -1552,10 +1565,9 @@
           </a:lstStyle>
           <a:p>
             <a:r>
-              <a:rPr lang="en-US" dirty="0" smtClean="0"/>
+              <a:rPr lang="en-US" dirty="0"/>
               <a:t>Click to edit Master subtitle style</a:t>
             </a:r>
-            <a:endParaRPr lang="en-US" dirty="0"/>
           </a:p>
         </p:txBody>
       </p:sp>
@@ -1700,10 +1712,9 @@
           </a:lstStyle>
           <a:p>
             <a:r>
-              <a:rPr lang="en-US" dirty="0" smtClean="0"/>
+              <a:rPr lang="en-US" dirty="0"/>
               <a:t>Click to edit Master title style</a:t>
             </a:r>
-            <a:endParaRPr lang="en-US" dirty="0"/>
           </a:p>
         </p:txBody>
       </p:sp>
@@ -1745,38 +1756,37 @@
           <a:p>
             <a:pPr lvl="0"/>
             <a:r>
-              <a:rPr lang="en-US" dirty="0" smtClean="0"/>
+              <a:rPr lang="en-US" dirty="0"/>
               <a:t>Click to edit Master text styles</a:t>
             </a:r>
           </a:p>
           <a:p>
             <a:pPr lvl="1"/>
             <a:r>
-              <a:rPr lang="en-US" dirty="0" smtClean="0"/>
+              <a:rPr lang="en-US" dirty="0"/>
               <a:t>Second level</a:t>
             </a:r>
           </a:p>
           <a:p>
             <a:pPr lvl="2"/>
             <a:r>
-              <a:rPr lang="en-US" dirty="0" smtClean="0"/>
+              <a:rPr lang="en-US" dirty="0"/>
               <a:t>Third level</a:t>
             </a:r>
           </a:p>
           <a:p>
             <a:pPr lvl="3"/>
             <a:r>
-              <a:rPr lang="en-US" dirty="0" smtClean="0"/>
+              <a:rPr lang="en-US" dirty="0"/>
               <a:t>Fourth level</a:t>
             </a:r>
           </a:p>
           <a:p>
             <a:pPr lvl="4"/>
             <a:r>
-              <a:rPr lang="en-US" dirty="0" smtClean="0"/>
+              <a:rPr lang="en-US" dirty="0"/>
               <a:t>Fifth level</a:t>
             </a:r>
-            <a:endParaRPr lang="en-US" dirty="0"/>
           </a:p>
         </p:txBody>
       </p:sp>
@@ -1921,10 +1931,9 @@
           </a:lstStyle>
           <a:p>
             <a:r>
-              <a:rPr lang="en-US" dirty="0" smtClean="0"/>
+              <a:rPr lang="en-US" dirty="0"/>
               <a:t>Click to edit Master title style</a:t>
             </a:r>
-            <a:endParaRPr lang="en-US" dirty="0"/>
           </a:p>
         </p:txBody>
       </p:sp>
@@ -1978,38 +1987,37 @@
           <a:p>
             <a:pPr lvl="0"/>
             <a:r>
-              <a:rPr lang="en-US" dirty="0" smtClean="0"/>
+              <a:rPr lang="en-US" dirty="0"/>
               <a:t>Click to edit Master text styles</a:t>
             </a:r>
           </a:p>
           <a:p>
             <a:pPr lvl="1"/>
             <a:r>
-              <a:rPr lang="en-US" dirty="0" smtClean="0"/>
+              <a:rPr lang="en-US" dirty="0"/>
               <a:t>Second level</a:t>
             </a:r>
           </a:p>
           <a:p>
             <a:pPr lvl="2"/>
             <a:r>
-              <a:rPr lang="en-US" dirty="0" smtClean="0"/>
+              <a:rPr lang="en-US" dirty="0"/>
               <a:t>Third level</a:t>
             </a:r>
           </a:p>
           <a:p>
             <a:pPr lvl="3"/>
             <a:r>
-              <a:rPr lang="en-US" dirty="0" smtClean="0"/>
+              <a:rPr lang="en-US" dirty="0"/>
               <a:t>Fourth level</a:t>
             </a:r>
           </a:p>
           <a:p>
             <a:pPr lvl="4"/>
             <a:r>
-              <a:rPr lang="en-US" dirty="0" smtClean="0"/>
+              <a:rPr lang="en-US" dirty="0"/>
               <a:t>Fifth level</a:t>
             </a:r>
-            <a:endParaRPr lang="en-US" dirty="0"/>
           </a:p>
         </p:txBody>
       </p:sp>
@@ -2063,38 +2071,37 @@
           <a:p>
             <a:pPr lvl="0"/>
             <a:r>
-              <a:rPr lang="en-US" dirty="0" smtClean="0"/>
+              <a:rPr lang="en-US" dirty="0"/>
               <a:t>Click to edit Master text styles</a:t>
             </a:r>
           </a:p>
           <a:p>
             <a:pPr lvl="1"/>
             <a:r>
-              <a:rPr lang="en-US" dirty="0" smtClean="0"/>
+              <a:rPr lang="en-US" dirty="0"/>
               <a:t>Second level</a:t>
             </a:r>
           </a:p>
           <a:p>
             <a:pPr lvl="2"/>
             <a:r>
-              <a:rPr lang="en-US" dirty="0" smtClean="0"/>
+              <a:rPr lang="en-US" dirty="0"/>
               <a:t>Third level</a:t>
             </a:r>
           </a:p>
           <a:p>
             <a:pPr lvl="3"/>
             <a:r>
-              <a:rPr lang="en-US" dirty="0" smtClean="0"/>
+              <a:rPr lang="en-US" dirty="0"/>
               <a:t>Fourth level</a:t>
             </a:r>
           </a:p>
           <a:p>
             <a:pPr lvl="4"/>
             <a:r>
-              <a:rPr lang="en-US" dirty="0" smtClean="0"/>
+              <a:rPr lang="en-US" dirty="0"/>
               <a:t>Fifth level</a:t>
             </a:r>
-            <a:endParaRPr lang="en-US" dirty="0"/>
           </a:p>
         </p:txBody>
       </p:sp>
@@ -2239,10 +2246,9 @@
           </a:lstStyle>
           <a:p>
             <a:r>
-              <a:rPr lang="en-US" dirty="0" smtClean="0"/>
+              <a:rPr lang="en-US" dirty="0"/>
               <a:t>Click to edit Master title style</a:t>
             </a:r>
-            <a:endParaRPr lang="en-US" dirty="0"/>
           </a:p>
         </p:txBody>
       </p:sp>
@@ -2548,7 +2554,7 @@
           <a:p>
             <a:pPr lvl="0"/>
             <a:r>
-              <a:rPr lang="en-US" smtClean="0"/>
+              <a:rPr lang="en-US"/>
               <a:t>Click to edit Master title style</a:t>
             </a:r>
           </a:p>
@@ -2560,13 +2566,6 @@
   <p:sldLayoutIdLst>
     <p:sldLayoutId id="2147483671" r:id="rId1"/>
   </p:sldLayoutIdLst>
-  <p:timing>
-    <p:tnLst>
-      <p:par>
-        <p:cTn id="1" dur="indefinite" restart="never" nodeType="tmRoot"/>
-      </p:par>
-    </p:tnLst>
-  </p:timing>
   <p:txStyles>
     <p:titleStyle>
       <a:lvl1pPr algn="ctr" rtl="0" eaLnBrk="0" fontAlgn="base" hangingPunct="0">
@@ -3013,7 +3012,7 @@
           <a:p>
             <a:pPr lvl="0"/>
             <a:r>
-              <a:rPr lang="en-US" smtClean="0"/>
+              <a:rPr lang="en-US"/>
               <a:t>Click to edit Master title style</a:t>
             </a:r>
           </a:p>
@@ -3071,35 +3070,35 @@
           <a:p>
             <a:pPr lvl="0"/>
             <a:r>
-              <a:rPr lang="en-US" smtClean="0"/>
+              <a:rPr lang="en-US"/>
               <a:t>Click to edit Master text styles</a:t>
             </a:r>
           </a:p>
           <a:p>
             <a:pPr lvl="1"/>
             <a:r>
-              <a:rPr lang="en-US" smtClean="0"/>
+              <a:rPr lang="en-US"/>
               <a:t>Second level</a:t>
             </a:r>
           </a:p>
           <a:p>
             <a:pPr lvl="2"/>
             <a:r>
-              <a:rPr lang="en-US" smtClean="0"/>
+              <a:rPr lang="en-US"/>
               <a:t>Third level</a:t>
             </a:r>
           </a:p>
           <a:p>
             <a:pPr lvl="3"/>
             <a:r>
-              <a:rPr lang="en-US" smtClean="0"/>
+              <a:rPr lang="en-US"/>
               <a:t>Fourth level</a:t>
             </a:r>
           </a:p>
           <a:p>
             <a:pPr lvl="4"/>
             <a:r>
-              <a:rPr lang="en-US" smtClean="0"/>
+              <a:rPr lang="en-US"/>
               <a:t>Fifth level</a:t>
             </a:r>
           </a:p>
@@ -3811,14 +3810,25 @@
               <a:buNone/>
             </a:pPr>
             <a:r>
-              <a:rPr lang="en-US" b="1" kern="0" dirty="0" smtClean="0">
+              <a:rPr lang="en-US" b="1" kern="0" dirty="0">
                 <a:solidFill>
                   <a:srgbClr val="002060"/>
                 </a:solidFill>
                 <a:latin typeface="Arial" panose="020B0604020202020204" pitchFamily="34" charset="0"/>
                 <a:cs typeface="Arial" panose="020B0604020202020204" pitchFamily="34" charset="0"/>
               </a:rPr>
-              <a:t>Gantt Chart</a:t>
+              <a:t>Test</a:t>
+            </a:r>
+            <a:r>
+              <a:rPr lang="en-US" b="1" kern="0" dirty="0">
+                <a:solidFill>
+                  <a:srgbClr val="002060"/>
+                </a:solidFill>
+                <a:latin typeface="Arial" panose="020B0604020202020204" pitchFamily="34" charset="0"/>
+                <a:cs typeface="Arial" panose="020B0604020202020204" pitchFamily="34" charset="0"/>
+                <a:sym typeface="Wingdings" panose="05000000000000000000" pitchFamily="2" charset="2"/>
+              </a:rPr>
+              <a:t></a:t>
             </a:r>
             <a:endParaRPr lang="en-US" b="1" kern="0" dirty="0">
               <a:solidFill>
@@ -4030,7 +4040,7 @@
           <a:p>
             <a:pPr algn="r"/>
             <a:r>
-              <a:rPr lang="en-US" sz="800" dirty="0" smtClean="0">
+              <a:rPr lang="en-US" sz="800" dirty="0">
                 <a:solidFill>
                   <a:schemeClr val="bg1">
                     <a:lumMod val="50000"/>
@@ -4041,15 +4051,6 @@
               </a:rPr>
               <a:t>© 2012 Project Lead The Way, Inc.</a:t>
             </a:r>
-            <a:endParaRPr lang="en-US" sz="800" dirty="0">
-              <a:solidFill>
-                <a:schemeClr val="bg1">
-                  <a:lumMod val="50000"/>
-                </a:schemeClr>
-              </a:solidFill>
-              <a:latin typeface="Arial" panose="020B0604020202020204" pitchFamily="34" charset="0"/>
-              <a:cs typeface="Arial" panose="020B0604020202020204" pitchFamily="34" charset="0"/>
-            </a:endParaRPr>
           </a:p>
         </p:txBody>
       </p:sp>
@@ -4171,16 +4172,12 @@
           </a:lstStyle>
           <a:p>
             <a:r>
-              <a:rPr lang="en-US" sz="800" dirty="0" smtClean="0">
+              <a:rPr lang="en-US" sz="800" dirty="0">
                 <a:latin typeface="Arial" panose="020B0604020202020204" pitchFamily="34" charset="0"/>
                 <a:cs typeface="Arial" panose="020B0604020202020204" pitchFamily="34" charset="0"/>
               </a:rPr>
               <a:t>Introduction to Engineering Design</a:t>
             </a:r>
-            <a:endParaRPr lang="en-US" sz="800" dirty="0">
-              <a:latin typeface="Arial" panose="020B0604020202020204" pitchFamily="34" charset="0"/>
-              <a:cs typeface="Arial" panose="020B0604020202020204" pitchFamily="34" charset="0"/>
-            </a:endParaRPr>
           </a:p>
         </p:txBody>
       </p:sp>
@@ -4189,13 +4186,6 @@
   <p:clrMapOvr>
     <a:masterClrMapping/>
   </p:clrMapOvr>
-  <p:timing>
-    <p:tnLst>
-      <p:par>
-        <p:cTn id="1" dur="indefinite" restart="never" nodeType="tmRoot"/>
-      </p:par>
-    </p:tnLst>
-  </p:timing>
 </p:sld>
 </file>
 
@@ -4232,7 +4222,7 @@
           <a:lstStyle/>
           <a:p>
             <a:r>
-              <a:rPr lang="en-US" smtClean="0"/>
+              <a:rPr lang="en-US"/>
               <a:t>Gantt Chart: House Construction</a:t>
             </a:r>
           </a:p>
@@ -5542,13 +5532,8 @@
             <a:pPr eaLnBrk="1" hangingPunct="1"/>
             <a:r>
               <a:rPr lang="en-US" dirty="0"/>
-              <a:t>Roof is partially constructed as walls are being </a:t>
+              <a:t>Roof is partially constructed as walls are being built</a:t>
             </a:r>
-            <a:r>
-              <a:rPr lang="en-US" dirty="0" smtClean="0"/>
-              <a:t>built</a:t>
-            </a:r>
-            <a:endParaRPr lang="en-US" dirty="0"/>
           </a:p>
         </p:txBody>
       </p:sp>
@@ -5557,13 +5542,6 @@
   <p:clrMapOvr>
     <a:masterClrMapping/>
   </p:clrMapOvr>
-  <p:timing>
-    <p:tnLst>
-      <p:par>
-        <p:cTn id="1" dur="indefinite" restart="never" nodeType="tmRoot"/>
-      </p:par>
-    </p:tnLst>
-  </p:timing>
 </p:sld>
 </file>
 
@@ -5600,7 +5578,7 @@
           <a:lstStyle/>
           <a:p>
             <a:r>
-              <a:rPr lang="en-US" smtClean="0"/>
+              <a:rPr lang="en-US"/>
               <a:t>Gantt Chart: House Construction</a:t>
             </a:r>
           </a:p>
@@ -7157,23 +7135,7 @@
             <a:pPr eaLnBrk="1" hangingPunct="1"/>
             <a:r>
               <a:rPr lang="en-US" dirty="0"/>
-              <a:t>Siding started </a:t>
-            </a:r>
-            <a:r>
-              <a:rPr lang="en-US" dirty="0" smtClean="0"/>
-              <a:t>once walls </a:t>
-            </a:r>
-            <a:r>
-              <a:rPr lang="en-US" dirty="0"/>
-              <a:t>are complete </a:t>
-            </a:r>
-            <a:r>
-              <a:rPr lang="en-US" dirty="0" smtClean="0"/>
-              <a:t>and while </a:t>
-            </a:r>
-            <a:r>
-              <a:rPr lang="en-US" dirty="0"/>
-              <a:t>roof is being built </a:t>
+              <a:t>Siding started once walls are complete and while roof is being built </a:t>
             </a:r>
           </a:p>
         </p:txBody>
@@ -7183,13 +7145,6 @@
   <p:clrMapOvr>
     <a:masterClrMapping/>
   </p:clrMapOvr>
-  <p:timing>
-    <p:tnLst>
-      <p:par>
-        <p:cTn id="1" dur="indefinite" restart="never" nodeType="tmRoot"/>
-      </p:par>
-    </p:tnLst>
-  </p:timing>
 </p:sld>
 </file>
 
@@ -7226,7 +7181,7 @@
           <a:lstStyle/>
           <a:p>
             <a:r>
-              <a:rPr lang="en-US" smtClean="0"/>
+              <a:rPr lang="en-US"/>
               <a:t>Gantt Chart: House Construction</a:t>
             </a:r>
           </a:p>
@@ -9088,13 +9043,6 @@
   <p:clrMapOvr>
     <a:masterClrMapping/>
   </p:clrMapOvr>
-  <p:timing>
-    <p:tnLst>
-      <p:par>
-        <p:cTn id="1" dur="indefinite" restart="never" nodeType="tmRoot"/>
-      </p:par>
-    </p:tnLst>
-  </p:timing>
 </p:sld>
 </file>
 
@@ -9132,7 +9080,7 @@
           <a:p>
             <a:pPr eaLnBrk="1" hangingPunct="1"/>
             <a:r>
-              <a:rPr lang="en-US" smtClean="0"/>
+              <a:rPr lang="en-US"/>
               <a:t>History of the Gantt Chart</a:t>
             </a:r>
           </a:p>
@@ -9157,11 +9105,11 @@
               <a:buNone/>
             </a:pPr>
             <a:r>
-              <a:rPr lang="en-US" sz="2800" dirty="0" smtClean="0"/>
+              <a:rPr lang="en-US" sz="2800" dirty="0"/>
               <a:t>	Henry L Gantt, an American engineer in 1917, developed a horizontal bar chart used as a production control tool. The Gantt chart provides a graphical illustration of activities to be completed according to a specific time schedule. On the left side of the chart is a list of activities. Along the top is the time frame during which each activity is to be completed.</a:t>
             </a:r>
             <a:r>
-              <a:rPr lang="en-US" dirty="0" smtClean="0"/>
+              <a:rPr lang="en-US" dirty="0"/>
               <a:t> </a:t>
             </a:r>
           </a:p>
@@ -9172,13 +9120,6 @@
   <p:clrMapOvr>
     <a:masterClrMapping/>
   </p:clrMapOvr>
-  <p:timing>
-    <p:tnLst>
-      <p:par>
-        <p:cTn id="1" dur="indefinite" restart="never" nodeType="tmRoot"/>
-      </p:par>
-    </p:tnLst>
-  </p:timing>
 </p:sld>
 </file>
 
@@ -9220,7 +9161,7 @@
           <a:lstStyle/>
           <a:p>
             <a:r>
-              <a:rPr lang="en-US" smtClean="0"/>
+              <a:rPr lang="en-US"/>
               <a:t>Sequential and Parallel Tasks</a:t>
             </a:r>
           </a:p>
@@ -9247,7 +9188,7 @@
               </a:lnSpc>
             </a:pPr>
             <a:r>
-              <a:rPr lang="en-US" sz="2800" dirty="0" smtClean="0"/>
+              <a:rPr lang="en-US" sz="2800" dirty="0"/>
               <a:t>Project planning organizes tasks</a:t>
             </a:r>
           </a:p>
@@ -9258,7 +9199,7 @@
               </a:lnSpc>
             </a:pPr>
             <a:r>
-              <a:rPr lang="en-US" sz="2800" dirty="0" smtClean="0"/>
+              <a:rPr lang="en-US" sz="2800" dirty="0"/>
               <a:t>Task types:</a:t>
             </a:r>
           </a:p>
@@ -9269,16 +9210,8 @@
               </a:lnSpc>
             </a:pPr>
             <a:r>
-              <a:rPr lang="en-US" dirty="0" smtClean="0"/>
-              <a:t>Sequential </a:t>
-            </a:r>
-            <a:r>
               <a:rPr lang="en-US" dirty="0"/>
-              <a:t>or </a:t>
-            </a:r>
-            <a:r>
-              <a:rPr lang="en-US" dirty="0" smtClean="0"/>
-              <a:t>linear</a:t>
+              <a:t>Sequential or linear</a:t>
             </a:r>
           </a:p>
           <a:p>
@@ -9288,18 +9221,9 @@
               </a:lnSpc>
             </a:pPr>
             <a:r>
-              <a:rPr lang="en-US" dirty="0" smtClean="0"/>
-              <a:t>Task </a:t>
+              <a:rPr lang="en-US" dirty="0"/>
+              <a:t>Task dependent on completion of another task</a:t>
             </a:r>
-            <a:r>
-              <a:rPr lang="en-US" dirty="0"/>
-              <a:t>dependent on completion of </a:t>
-            </a:r>
-            <a:r>
-              <a:rPr lang="en-US" dirty="0" smtClean="0"/>
-              <a:t>another task</a:t>
-            </a:r>
-            <a:endParaRPr lang="en-US" dirty="0"/>
           </a:p>
           <a:p>
             <a:pPr lvl="1">
@@ -9308,16 +9232,8 @@
               </a:lnSpc>
             </a:pPr>
             <a:r>
-              <a:rPr lang="en-US" dirty="0" smtClean="0"/>
-              <a:t>Nondependent </a:t>
-            </a:r>
-            <a:r>
               <a:rPr lang="en-US" dirty="0"/>
-              <a:t>or </a:t>
-            </a:r>
-            <a:r>
-              <a:rPr lang="en-US" dirty="0" smtClean="0"/>
-              <a:t>parallel</a:t>
+              <a:t>Nondependent or parallel</a:t>
             </a:r>
           </a:p>
           <a:p>
@@ -9327,16 +9243,8 @@
               </a:lnSpc>
             </a:pPr>
             <a:r>
-              <a:rPr lang="en-US" dirty="0" smtClean="0"/>
-              <a:t>Task not </a:t>
-            </a:r>
-            <a:r>
               <a:rPr lang="en-US" dirty="0"/>
-              <a:t>dependent on completion of any other </a:t>
-            </a:r>
-            <a:r>
-              <a:rPr lang="en-US" dirty="0" smtClean="0"/>
-              <a:t>tasks</a:t>
+              <a:t>Task not dependent on completion of any other tasks</a:t>
             </a:r>
           </a:p>
           <a:p>
@@ -9346,18 +9254,9 @@
               </a:lnSpc>
             </a:pPr>
             <a:r>
-              <a:rPr lang="en-US" dirty="0" smtClean="0"/>
-              <a:t>Tasks </a:t>
+              <a:rPr lang="en-US" dirty="0"/>
+              <a:t>Tasks may be done at any time before or after a particular stage is reached</a:t>
             </a:r>
-            <a:r>
-              <a:rPr lang="en-US" dirty="0"/>
-              <a:t>may be done at any time before or after a particular stage is </a:t>
-            </a:r>
-            <a:r>
-              <a:rPr lang="en-US" dirty="0" smtClean="0"/>
-              <a:t>reached</a:t>
-            </a:r>
-            <a:endParaRPr lang="en-US" dirty="0"/>
           </a:p>
         </p:txBody>
       </p:sp>
@@ -9366,13 +9265,6 @@
   <p:clrMapOvr>
     <a:masterClrMapping/>
   </p:clrMapOvr>
-  <p:timing>
-    <p:tnLst>
-      <p:par>
-        <p:cTn id="1" dur="indefinite" restart="never" nodeType="tmRoot"/>
-      </p:par>
-    </p:tnLst>
-  </p:timing>
 </p:sld>
 </file>
 
@@ -9409,7 +9301,7 @@
           <a:lstStyle/>
           <a:p>
             <a:r>
-              <a:rPr lang="en-US" dirty="0" smtClean="0"/>
+              <a:rPr lang="en-US" dirty="0"/>
               <a:t>Gantt Chart: Virtual Design Activity</a:t>
             </a:r>
           </a:p>
@@ -9484,13 +9376,6 @@
   <p:clrMapOvr>
     <a:masterClrMapping/>
   </p:clrMapOvr>
-  <p:timing>
-    <p:tnLst>
-      <p:par>
-        <p:cTn id="1" dur="indefinite" restart="never" nodeType="tmRoot"/>
-      </p:par>
-    </p:tnLst>
-  </p:timing>
 </p:sld>
 </file>
 
@@ -9527,7 +9412,7 @@
           <a:lstStyle/>
           <a:p>
             <a:r>
-              <a:rPr lang="en-US" smtClean="0"/>
+              <a:rPr lang="en-US"/>
               <a:t>Gantt Chart Example</a:t>
             </a:r>
           </a:p>
@@ -9549,19 +9434,19 @@
           <a:lstStyle/>
           <a:p>
             <a:r>
-              <a:rPr lang="en-US" sz="2800" dirty="0" smtClean="0"/>
+              <a:rPr lang="en-US" sz="2800" dirty="0"/>
               <a:t>What tasks are needed to build a house?</a:t>
             </a:r>
           </a:p>
           <a:p>
             <a:r>
-              <a:rPr lang="en-US" sz="2800" dirty="0" smtClean="0"/>
+              <a:rPr lang="en-US" sz="2800" dirty="0"/>
               <a:t>In what order do the tasks need to be performed?</a:t>
             </a:r>
           </a:p>
           <a:p>
             <a:r>
-              <a:rPr lang="en-US" sz="2800" dirty="0" smtClean="0"/>
+              <a:rPr lang="en-US" sz="2800" dirty="0"/>
               <a:t>Can any tasks be performed at the same time as another task?</a:t>
             </a:r>
           </a:p>
@@ -9572,13 +9457,6 @@
   <p:clrMapOvr>
     <a:masterClrMapping/>
   </p:clrMapOvr>
-  <p:timing>
-    <p:tnLst>
-      <p:par>
-        <p:cTn id="1" dur="indefinite" restart="never" nodeType="tmRoot"/>
-      </p:par>
-    </p:tnLst>
-  </p:timing>
 </p:sld>
 </file>
 
@@ -9615,7 +9493,7 @@
           <a:lstStyle/>
           <a:p>
             <a:r>
-              <a:rPr lang="en-US" dirty="0" smtClean="0"/>
+              <a:rPr lang="en-US" dirty="0"/>
               <a:t>Gantt Chart: House Construction</a:t>
             </a:r>
           </a:p>
@@ -9889,13 +9767,6 @@
   <p:clrMapOvr>
     <a:masterClrMapping/>
   </p:clrMapOvr>
-  <p:timing>
-    <p:tnLst>
-      <p:par>
-        <p:cTn id="1" dur="indefinite" restart="never" nodeType="tmRoot"/>
-      </p:par>
-    </p:tnLst>
-  </p:timing>
 </p:sld>
 </file>
 
@@ -9932,7 +9803,7 @@
           <a:lstStyle/>
           <a:p>
             <a:r>
-              <a:rPr lang="en-US" smtClean="0"/>
+              <a:rPr lang="en-US"/>
               <a:t>Gantt Chart: House Construction</a:t>
             </a:r>
           </a:p>
@@ -10599,13 +10470,6 @@
   <p:clrMapOvr>
     <a:masterClrMapping/>
   </p:clrMapOvr>
-  <p:timing>
-    <p:tnLst>
-      <p:par>
-        <p:cTn id="1" dur="indefinite" restart="never" nodeType="tmRoot"/>
-      </p:par>
-    </p:tnLst>
-  </p:timing>
 </p:sld>
 </file>
 
@@ -10642,7 +10506,7 @@
           <a:lstStyle/>
           <a:p>
             <a:r>
-              <a:rPr lang="en-US" smtClean="0"/>
+              <a:rPr lang="en-US"/>
               <a:t>Gantt Chart: House Construction</a:t>
             </a:r>
           </a:p>
@@ -11517,13 +11381,6 @@
   <p:clrMapOvr>
     <a:masterClrMapping/>
   </p:clrMapOvr>
-  <p:timing>
-    <p:tnLst>
-      <p:par>
-        <p:cTn id="1" dur="indefinite" restart="never" nodeType="tmRoot"/>
-      </p:par>
-    </p:tnLst>
-  </p:timing>
 </p:sld>
 </file>
 
@@ -11560,7 +11417,7 @@
           <a:lstStyle/>
           <a:p>
             <a:r>
-              <a:rPr lang="en-US" smtClean="0"/>
+              <a:rPr lang="en-US"/>
               <a:t>Gantt Chart: House Construction</a:t>
             </a:r>
           </a:p>
@@ -12643,13 +12500,6 @@
   <p:clrMapOvr>
     <a:masterClrMapping/>
   </p:clrMapOvr>
-  <p:timing>
-    <p:tnLst>
-      <p:par>
-        <p:cTn id="1" dur="indefinite" restart="never" nodeType="tmRoot"/>
-      </p:par>
-    </p:tnLst>
-  </p:timing>
 </p:sld>
 </file>
 
